--- a/Barcelona Software Craftmanship 2017.pptx
+++ b/Barcelona Software Craftmanship 2017.pptx
@@ -6,9 +6,9 @@
   </p:sldMasterIdLst>
   <p:sldIdLst>
     <p:sldId id="261" r:id="rId2"/>
-    <p:sldId id="256" r:id="rId3"/>
-    <p:sldId id="257" r:id="rId4"/>
-    <p:sldId id="258" r:id="rId5"/>
+    <p:sldId id="258" r:id="rId3"/>
+    <p:sldId id="256" r:id="rId4"/>
+    <p:sldId id="257" r:id="rId5"/>
     <p:sldId id="259" r:id="rId6"/>
     <p:sldId id="260" r:id="rId7"/>
     <p:sldId id="262" r:id="rId8"/>
@@ -269,7 +269,7 @@
           <a:p>
             <a:fld id="{32456B23-CA79-486C-968E-33F9ADB9F9AC}" type="datetimeFigureOut">
               <a:rPr lang="es-ES" smtClean="0"/>
-              <a:t>18/10/2017</a:t>
+              <a:t>20/10/2017</a:t>
             </a:fld>
             <a:endParaRPr lang="es-ES"/>
           </a:p>
@@ -467,7 +467,7 @@
           <a:p>
             <a:fld id="{32456B23-CA79-486C-968E-33F9ADB9F9AC}" type="datetimeFigureOut">
               <a:rPr lang="es-ES" smtClean="0"/>
-              <a:t>18/10/2017</a:t>
+              <a:t>20/10/2017</a:t>
             </a:fld>
             <a:endParaRPr lang="es-ES"/>
           </a:p>
@@ -675,7 +675,7 @@
           <a:p>
             <a:fld id="{32456B23-CA79-486C-968E-33F9ADB9F9AC}" type="datetimeFigureOut">
               <a:rPr lang="es-ES" smtClean="0"/>
-              <a:t>18/10/2017</a:t>
+              <a:t>20/10/2017</a:t>
             </a:fld>
             <a:endParaRPr lang="es-ES"/>
           </a:p>
@@ -873,7 +873,7 @@
           <a:p>
             <a:fld id="{32456B23-CA79-486C-968E-33F9ADB9F9AC}" type="datetimeFigureOut">
               <a:rPr lang="es-ES" smtClean="0"/>
-              <a:t>18/10/2017</a:t>
+              <a:t>20/10/2017</a:t>
             </a:fld>
             <a:endParaRPr lang="es-ES"/>
           </a:p>
@@ -1148,7 +1148,7 @@
           <a:p>
             <a:fld id="{32456B23-CA79-486C-968E-33F9ADB9F9AC}" type="datetimeFigureOut">
               <a:rPr lang="es-ES" smtClean="0"/>
-              <a:t>18/10/2017</a:t>
+              <a:t>20/10/2017</a:t>
             </a:fld>
             <a:endParaRPr lang="es-ES"/>
           </a:p>
@@ -1413,7 +1413,7 @@
           <a:p>
             <a:fld id="{32456B23-CA79-486C-968E-33F9ADB9F9AC}" type="datetimeFigureOut">
               <a:rPr lang="es-ES" smtClean="0"/>
-              <a:t>18/10/2017</a:t>
+              <a:t>20/10/2017</a:t>
             </a:fld>
             <a:endParaRPr lang="es-ES"/>
           </a:p>
@@ -1825,7 +1825,7 @@
           <a:p>
             <a:fld id="{32456B23-CA79-486C-968E-33F9ADB9F9AC}" type="datetimeFigureOut">
               <a:rPr lang="es-ES" smtClean="0"/>
-              <a:t>18/10/2017</a:t>
+              <a:t>20/10/2017</a:t>
             </a:fld>
             <a:endParaRPr lang="es-ES"/>
           </a:p>
@@ -1966,7 +1966,7 @@
           <a:p>
             <a:fld id="{32456B23-CA79-486C-968E-33F9ADB9F9AC}" type="datetimeFigureOut">
               <a:rPr lang="es-ES" smtClean="0"/>
-              <a:t>18/10/2017</a:t>
+              <a:t>20/10/2017</a:t>
             </a:fld>
             <a:endParaRPr lang="es-ES"/>
           </a:p>
@@ -2079,7 +2079,7 @@
           <a:p>
             <a:fld id="{32456B23-CA79-486C-968E-33F9ADB9F9AC}" type="datetimeFigureOut">
               <a:rPr lang="es-ES" smtClean="0"/>
-              <a:t>18/10/2017</a:t>
+              <a:t>20/10/2017</a:t>
             </a:fld>
             <a:endParaRPr lang="es-ES"/>
           </a:p>
@@ -2390,7 +2390,7 @@
           <a:p>
             <a:fld id="{32456B23-CA79-486C-968E-33F9ADB9F9AC}" type="datetimeFigureOut">
               <a:rPr lang="es-ES" smtClean="0"/>
-              <a:t>18/10/2017</a:t>
+              <a:t>20/10/2017</a:t>
             </a:fld>
             <a:endParaRPr lang="es-ES"/>
           </a:p>
@@ -2678,7 +2678,7 @@
           <a:p>
             <a:fld id="{32456B23-CA79-486C-968E-33F9ADB9F9AC}" type="datetimeFigureOut">
               <a:rPr lang="es-ES" smtClean="0"/>
-              <a:t>18/10/2017</a:t>
+              <a:t>20/10/2017</a:t>
             </a:fld>
             <a:endParaRPr lang="es-ES"/>
           </a:p>
@@ -2919,7 +2919,7 @@
           <a:p>
             <a:fld id="{32456B23-CA79-486C-968E-33F9ADB9F9AC}" type="datetimeFigureOut">
               <a:rPr lang="es-ES" smtClean="0"/>
-              <a:t>18/10/2017</a:t>
+              <a:t>20/10/2017</a:t>
             </a:fld>
             <a:endParaRPr lang="es-ES"/>
           </a:p>
@@ -3484,7 +3484,12 @@
             <p:ph type="ctrTitle"/>
           </p:nvPr>
         </p:nvSpPr>
-        <p:spPr/>
+        <p:spPr>
+          <a:xfrm>
+            <a:off x="1524000" y="1122363"/>
+            <a:ext cx="9144000" cy="3643068"/>
+          </a:xfrm>
+        </p:spPr>
         <p:txBody>
           <a:bodyPr>
             <a:normAutofit/>
@@ -3493,15 +3498,7 @@
           <a:p>
             <a:r>
               <a:rPr lang="es-ES" sz="4400" dirty="0" err="1"/>
-              <a:t>Native</a:t>
-            </a:r>
-            <a:r>
-              <a:rPr lang="es-ES" sz="4400" dirty="0"/>
-              <a:t> and browser SPA </a:t>
-            </a:r>
-            <a:r>
-              <a:rPr lang="es-ES" sz="4400" dirty="0" err="1"/>
-              <a:t>versions</a:t>
+              <a:t>Understanding</a:t>
             </a:r>
             <a:r>
               <a:rPr lang="es-ES" sz="4400" dirty="0"/>
@@ -3509,31 +3506,23 @@
             </a:r>
             <a:r>
               <a:rPr lang="es-ES" sz="4400" dirty="0" err="1"/>
-              <a:t>using</a:t>
+              <a:t>the</a:t>
             </a:r>
             <a:r>
               <a:rPr lang="es-ES" sz="4400" dirty="0"/>
-              <a:t> re-</a:t>
+              <a:t> </a:t>
             </a:r>
             <a:r>
               <a:rPr lang="es-ES" sz="4400" dirty="0" err="1"/>
-              <a:t>frame</a:t>
+              <a:t>learning</a:t>
             </a:r>
             <a:r>
               <a:rPr lang="es-ES" sz="4400" dirty="0"/>
-              <a:t>, </a:t>
+              <a:t> </a:t>
             </a:r>
             <a:r>
               <a:rPr lang="es-ES" sz="4400" dirty="0" err="1"/>
-              <a:t>ClojureScript</a:t>
-            </a:r>
-            <a:r>
-              <a:rPr lang="es-ES" sz="4400" dirty="0"/>
-              <a:t> and </a:t>
-            </a:r>
-            <a:r>
-              <a:rPr lang="es-ES" sz="4400" dirty="0" err="1"/>
-              <a:t>ReactNative</a:t>
+              <a:t>path</a:t>
             </a:r>
             <a:br>
               <a:rPr lang="es-ES" dirty="0"/>
@@ -3542,84 +3531,10 @@
           </a:p>
         </p:txBody>
       </p:sp>
-      <p:sp>
-        <p:nvSpPr>
-          <p:cNvPr id="3" name="Subtítulo 2">
-            <a:extLst>
-              <a:ext uri="{FF2B5EF4-FFF2-40B4-BE49-F238E27FC236}">
-                <a16:creationId xmlns:a16="http://schemas.microsoft.com/office/drawing/2014/main" id="{674B8C0F-07B6-4F4D-BBF0-B4470968E18A}"/>
-              </a:ext>
-            </a:extLst>
-          </p:cNvPr>
-          <p:cNvSpPr>
-            <a:spLocks noGrp="1"/>
-          </p:cNvSpPr>
-          <p:nvPr>
-            <p:ph type="subTitle" idx="1"/>
-          </p:nvPr>
-        </p:nvSpPr>
-        <p:spPr/>
-        <p:txBody>
-          <a:bodyPr/>
-          <a:lstStyle/>
-          <a:p>
-            <a:pPr marL="342900" indent="-342900" algn="l">
-              <a:buFontTx/>
-              <a:buChar char="-"/>
-            </a:pPr>
-            <a:r>
-              <a:rPr lang="es-ES" dirty="0"/>
-              <a:t>SPA (Single Page </a:t>
-            </a:r>
-            <a:r>
-              <a:rPr lang="es-ES" dirty="0" err="1"/>
-              <a:t>Application</a:t>
-            </a:r>
-            <a:r>
-              <a:rPr lang="es-ES" dirty="0"/>
-              <a:t>) :  mejora la experiencia de usuario</a:t>
-            </a:r>
-          </a:p>
-          <a:p>
-            <a:pPr marL="342900" indent="-342900" algn="l">
-              <a:buFontTx/>
-              <a:buChar char="-"/>
-            </a:pPr>
-            <a:endParaRPr lang="es-ES" dirty="0"/>
-          </a:p>
-          <a:p>
-            <a:pPr marL="342900" indent="-342900" algn="l">
-              <a:buFontTx/>
-              <a:buChar char="-"/>
-            </a:pPr>
-            <a:r>
-              <a:rPr lang="es-ES" dirty="0" err="1"/>
-              <a:t>React</a:t>
-            </a:r>
-            <a:r>
-              <a:rPr lang="es-ES" dirty="0"/>
-              <a:t> </a:t>
-            </a:r>
-            <a:r>
-              <a:rPr lang="es-ES" dirty="0" err="1"/>
-              <a:t>Native</a:t>
-            </a:r>
-            <a:r>
-              <a:rPr lang="es-ES" dirty="0"/>
-              <a:t> :  apps móviles nativas usando </a:t>
-            </a:r>
-            <a:r>
-              <a:rPr lang="es-ES" dirty="0" err="1"/>
-              <a:t>Javascript</a:t>
-            </a:r>
-            <a:endParaRPr lang="es-ES" dirty="0"/>
-          </a:p>
-        </p:txBody>
-      </p:sp>
     </p:spTree>
     <p:extLst>
       <p:ext uri="{BB962C8B-B14F-4D97-AF65-F5344CB8AC3E}">
-        <p14:creationId xmlns:p14="http://schemas.microsoft.com/office/powerpoint/2010/main" val="2790786284"/>
+        <p14:creationId xmlns:p14="http://schemas.microsoft.com/office/powerpoint/2010/main" val="3214650503"/>
       </p:ext>
     </p:extLst>
   </p:cSld>
@@ -3665,13 +3580,53 @@
         <p:spPr/>
         <p:txBody>
           <a:bodyPr>
-            <a:normAutofit fontScale="90000"/>
+            <a:normAutofit/>
           </a:bodyPr>
           <a:lstStyle/>
           <a:p>
             <a:r>
-              <a:rPr lang="es-ES" sz="4900" dirty="0"/>
-              <a:t>El camino hacia la programación declarativa no tiene porqué estar lleno de piedras</a:t>
+              <a:rPr lang="es-ES" sz="4400" dirty="0" err="1"/>
+              <a:t>Native</a:t>
+            </a:r>
+            <a:r>
+              <a:rPr lang="es-ES" sz="4400" dirty="0"/>
+              <a:t> and browser SPA </a:t>
+            </a:r>
+            <a:r>
+              <a:rPr lang="es-ES" sz="4400" dirty="0" err="1"/>
+              <a:t>versions</a:t>
+            </a:r>
+            <a:r>
+              <a:rPr lang="es-ES" sz="4400" dirty="0"/>
+              <a:t> </a:t>
+            </a:r>
+            <a:r>
+              <a:rPr lang="es-ES" sz="4400" dirty="0" err="1"/>
+              <a:t>using</a:t>
+            </a:r>
+            <a:r>
+              <a:rPr lang="es-ES" sz="4400" dirty="0"/>
+              <a:t> re-</a:t>
+            </a:r>
+            <a:r>
+              <a:rPr lang="es-ES" sz="4400" dirty="0" err="1"/>
+              <a:t>frame</a:t>
+            </a:r>
+            <a:r>
+              <a:rPr lang="es-ES" sz="4400" dirty="0"/>
+              <a:t>, </a:t>
+            </a:r>
+            <a:r>
+              <a:rPr lang="es-ES" sz="4400" dirty="0" err="1"/>
+              <a:t>ClojureScript</a:t>
+            </a:r>
+            <a:r>
+              <a:rPr lang="es-ES" sz="4400" dirty="0"/>
+              <a:t> and </a:t>
+            </a:r>
+            <a:r>
+              <a:rPr lang="es-ES" sz="4400" dirty="0" err="1"/>
+              <a:t>ReactNative</a:t>
             </a:r>
             <a:br>
               <a:rPr lang="es-ES" dirty="0"/>
@@ -3707,7 +3662,15 @@
             </a:pPr>
             <a:r>
               <a:rPr lang="es-ES" dirty="0"/>
-              <a:t>Programación declarativa/funcional vs imperativa</a:t>
+              <a:t>SPA (Single Page </a:t>
+            </a:r>
+            <a:r>
+              <a:rPr lang="es-ES" dirty="0" err="1"/>
+              <a:t>Application</a:t>
+            </a:r>
+            <a:r>
+              <a:rPr lang="es-ES" dirty="0"/>
+              <a:t>) :  mejora la experiencia de usuario</a:t>
             </a:r>
           </a:p>
           <a:p>
@@ -3723,16 +3686,33 @@
               <a:buChar char="-"/>
             </a:pPr>
             <a:r>
+              <a:rPr lang="es-ES" dirty="0" err="1"/>
+              <a:t>React</a:t>
+            </a:r>
+            <a:r>
               <a:rPr lang="es-ES" dirty="0"/>
-              <a:t>Programación declarativa/funcional en Habitaclia</a:t>
-            </a:r>
+              <a:t> </a:t>
+            </a:r>
+            <a:r>
+              <a:rPr lang="es-ES" dirty="0" err="1"/>
+              <a:t>Native</a:t>
+            </a:r>
+            <a:r>
+              <a:rPr lang="es-ES" dirty="0"/>
+              <a:t> :  apps móviles usando </a:t>
+            </a:r>
+            <a:r>
+              <a:rPr lang="es-ES" dirty="0" err="1"/>
+              <a:t>Javascript</a:t>
+            </a:r>
+            <a:endParaRPr lang="es-ES" dirty="0"/>
           </a:p>
         </p:txBody>
       </p:sp>
     </p:spTree>
     <p:extLst>
       <p:ext uri="{BB962C8B-B14F-4D97-AF65-F5344CB8AC3E}">
-        <p14:creationId xmlns:p14="http://schemas.microsoft.com/office/powerpoint/2010/main" val="910938939"/>
+        <p14:creationId xmlns:p14="http://schemas.microsoft.com/office/powerpoint/2010/main" val="2790786284"/>
       </p:ext>
     </p:extLst>
   </p:cSld>
@@ -3775,45 +3755,16 @@
             <p:ph type="ctrTitle"/>
           </p:nvPr>
         </p:nvSpPr>
-        <p:spPr>
-          <a:xfrm>
-            <a:off x="1524000" y="1122363"/>
-            <a:ext cx="9144000" cy="3643068"/>
-          </a:xfrm>
-        </p:spPr>
+        <p:spPr/>
         <p:txBody>
           <a:bodyPr>
-            <a:normAutofit/>
+            <a:normAutofit fontScale="90000"/>
           </a:bodyPr>
           <a:lstStyle/>
           <a:p>
             <a:r>
-              <a:rPr lang="es-ES" sz="4400" dirty="0" err="1"/>
-              <a:t>Understanding</a:t>
-            </a:r>
-            <a:r>
-              <a:rPr lang="es-ES" sz="4400" dirty="0"/>
-              <a:t> </a:t>
-            </a:r>
-            <a:r>
-              <a:rPr lang="es-ES" sz="4400" dirty="0" err="1"/>
-              <a:t>the</a:t>
-            </a:r>
-            <a:r>
-              <a:rPr lang="es-ES" sz="4400" dirty="0"/>
-              <a:t> </a:t>
-            </a:r>
-            <a:r>
-              <a:rPr lang="es-ES" sz="4400" dirty="0" err="1"/>
-              <a:t>learning</a:t>
-            </a:r>
-            <a:r>
-              <a:rPr lang="es-ES" sz="4400" dirty="0"/>
-              <a:t> </a:t>
-            </a:r>
-            <a:r>
-              <a:rPr lang="es-ES" sz="4400" dirty="0" err="1"/>
-              <a:t>path</a:t>
+              <a:rPr lang="es-ES" sz="4900" dirty="0"/>
+              <a:t>El camino hacia la programación declarativa no tiene porqué estar lleno de piedras</a:t>
             </a:r>
             <a:br>
               <a:rPr lang="es-ES" dirty="0"/>
@@ -3822,10 +3773,59 @@
           </a:p>
         </p:txBody>
       </p:sp>
+      <p:sp>
+        <p:nvSpPr>
+          <p:cNvPr id="3" name="Subtítulo 2">
+            <a:extLst>
+              <a:ext uri="{FF2B5EF4-FFF2-40B4-BE49-F238E27FC236}">
+                <a16:creationId xmlns:a16="http://schemas.microsoft.com/office/drawing/2014/main" id="{674B8C0F-07B6-4F4D-BBF0-B4470968E18A}"/>
+              </a:ext>
+            </a:extLst>
+          </p:cNvPr>
+          <p:cNvSpPr>
+            <a:spLocks noGrp="1"/>
+          </p:cNvSpPr>
+          <p:nvPr>
+            <p:ph type="subTitle" idx="1"/>
+          </p:nvPr>
+        </p:nvSpPr>
+        <p:spPr/>
+        <p:txBody>
+          <a:bodyPr/>
+          <a:lstStyle/>
+          <a:p>
+            <a:pPr marL="342900" indent="-342900" algn="l">
+              <a:buFontTx/>
+              <a:buChar char="-"/>
+            </a:pPr>
+            <a:r>
+              <a:rPr lang="es-ES" dirty="0"/>
+              <a:t>Programación declarativa/funcional vs imperativa</a:t>
+            </a:r>
+          </a:p>
+          <a:p>
+            <a:pPr marL="342900" indent="-342900" algn="l">
+              <a:buFontTx/>
+              <a:buChar char="-"/>
+            </a:pPr>
+            <a:endParaRPr lang="es-ES" dirty="0"/>
+          </a:p>
+          <a:p>
+            <a:pPr marL="342900" indent="-342900" algn="l">
+              <a:buFontTx/>
+              <a:buChar char="-"/>
+            </a:pPr>
+            <a:r>
+              <a:rPr lang="es-ES" dirty="0"/>
+              <a:t>Programación declarativa/funcional en Habitaclia</a:t>
+            </a:r>
+          </a:p>
+        </p:txBody>
+      </p:sp>
     </p:spTree>
     <p:extLst>
       <p:ext uri="{BB962C8B-B14F-4D97-AF65-F5344CB8AC3E}">
-        <p14:creationId xmlns:p14="http://schemas.microsoft.com/office/powerpoint/2010/main" val="3214650503"/>
+        <p14:creationId xmlns:p14="http://schemas.microsoft.com/office/powerpoint/2010/main" val="910938939"/>
       </p:ext>
     </p:extLst>
   </p:cSld>
